--- a/33_이호원_ch6_20210428.pptx
+++ b/33_이호원_ch6_20210428.pptx
@@ -290,7 +290,7 @@
           <a:p>
             <a:fld id="{3E32C7AF-B050-481F-A20C-6D9B57EF0736}" type="datetimeFigureOut">
               <a:rPr lang="ko-KR" altLang="en-US" smtClean="0"/>
-              <a:t>2021-04-28</a:t>
+              <a:t>2021-04-29</a:t>
             </a:fld>
             <a:endParaRPr lang="ko-KR" altLang="en-US"/>
           </a:p>
@@ -488,7 +488,7 @@
           <a:p>
             <a:fld id="{3E32C7AF-B050-481F-A20C-6D9B57EF0736}" type="datetimeFigureOut">
               <a:rPr lang="ko-KR" altLang="en-US" smtClean="0"/>
-              <a:t>2021-04-28</a:t>
+              <a:t>2021-04-29</a:t>
             </a:fld>
             <a:endParaRPr lang="ko-KR" altLang="en-US"/>
           </a:p>
@@ -696,7 +696,7 @@
           <a:p>
             <a:fld id="{3E32C7AF-B050-481F-A20C-6D9B57EF0736}" type="datetimeFigureOut">
               <a:rPr lang="ko-KR" altLang="en-US" smtClean="0"/>
-              <a:t>2021-04-28</a:t>
+              <a:t>2021-04-29</a:t>
             </a:fld>
             <a:endParaRPr lang="ko-KR" altLang="en-US"/>
           </a:p>
@@ -2466,7 +2466,7 @@
           <a:p>
             <a:fld id="{3E32C7AF-B050-481F-A20C-6D9B57EF0736}" type="datetimeFigureOut">
               <a:rPr lang="ko-KR" altLang="en-US" smtClean="0"/>
-              <a:t>2021-04-28</a:t>
+              <a:t>2021-04-29</a:t>
             </a:fld>
             <a:endParaRPr lang="ko-KR" altLang="en-US"/>
           </a:p>
@@ -3326,7 +3326,7 @@
           <a:p>
             <a:fld id="{3E32C7AF-B050-481F-A20C-6D9B57EF0736}" type="datetimeFigureOut">
               <a:rPr lang="ko-KR" altLang="en-US" smtClean="0"/>
-              <a:t>2021-04-28</a:t>
+              <a:t>2021-04-29</a:t>
             </a:fld>
             <a:endParaRPr lang="ko-KR" altLang="en-US"/>
           </a:p>
@@ -3591,7 +3591,7 @@
           <a:p>
             <a:fld id="{3E32C7AF-B050-481F-A20C-6D9B57EF0736}" type="datetimeFigureOut">
               <a:rPr lang="ko-KR" altLang="en-US" smtClean="0"/>
-              <a:t>2021-04-28</a:t>
+              <a:t>2021-04-29</a:t>
             </a:fld>
             <a:endParaRPr lang="ko-KR" altLang="en-US"/>
           </a:p>
@@ -4003,7 +4003,7 @@
           <a:p>
             <a:fld id="{3E32C7AF-B050-481F-A20C-6D9B57EF0736}" type="datetimeFigureOut">
               <a:rPr lang="ko-KR" altLang="en-US" smtClean="0"/>
-              <a:t>2021-04-28</a:t>
+              <a:t>2021-04-29</a:t>
             </a:fld>
             <a:endParaRPr lang="ko-KR" altLang="en-US"/>
           </a:p>
@@ -4144,7 +4144,7 @@
           <a:p>
             <a:fld id="{3E32C7AF-B050-481F-A20C-6D9B57EF0736}" type="datetimeFigureOut">
               <a:rPr lang="ko-KR" altLang="en-US" smtClean="0"/>
-              <a:t>2021-04-28</a:t>
+              <a:t>2021-04-29</a:t>
             </a:fld>
             <a:endParaRPr lang="ko-KR" altLang="en-US"/>
           </a:p>
@@ -4257,7 +4257,7 @@
           <a:p>
             <a:fld id="{3E32C7AF-B050-481F-A20C-6D9B57EF0736}" type="datetimeFigureOut">
               <a:rPr lang="ko-KR" altLang="en-US" smtClean="0"/>
-              <a:t>2021-04-28</a:t>
+              <a:t>2021-04-29</a:t>
             </a:fld>
             <a:endParaRPr lang="ko-KR" altLang="en-US"/>
           </a:p>
@@ -4568,7 +4568,7 @@
           <a:p>
             <a:fld id="{3E32C7AF-B050-481F-A20C-6D9B57EF0736}" type="datetimeFigureOut">
               <a:rPr lang="ko-KR" altLang="en-US" smtClean="0"/>
-              <a:t>2021-04-28</a:t>
+              <a:t>2021-04-29</a:t>
             </a:fld>
             <a:endParaRPr lang="ko-KR" altLang="en-US"/>
           </a:p>
@@ -4856,7 +4856,7 @@
           <a:p>
             <a:fld id="{3E32C7AF-B050-481F-A20C-6D9B57EF0736}" type="datetimeFigureOut">
               <a:rPr lang="ko-KR" altLang="en-US" smtClean="0"/>
-              <a:t>2021-04-28</a:t>
+              <a:t>2021-04-29</a:t>
             </a:fld>
             <a:endParaRPr lang="ko-KR" altLang="en-US"/>
           </a:p>
@@ -5097,7 +5097,7 @@
           <a:p>
             <a:fld id="{3E32C7AF-B050-481F-A20C-6D9B57EF0736}" type="datetimeFigureOut">
               <a:rPr lang="ko-KR" altLang="en-US" smtClean="0"/>
-              <a:t>2021-04-28</a:t>
+              <a:t>2021-04-29</a:t>
             </a:fld>
             <a:endParaRPr lang="ko-KR" altLang="en-US"/>
           </a:p>
@@ -14515,6 +14515,36 @@
           </a:p>
         </p:txBody>
       </p:sp>
+      <p:pic>
+        <p:nvPicPr>
+          <p:cNvPr id="3" name="그림 2">
+            <a:extLst>
+              <a:ext uri="{FF2B5EF4-FFF2-40B4-BE49-F238E27FC236}">
+                <a16:creationId xmlns:a16="http://schemas.microsoft.com/office/drawing/2014/main" id="{6B9EB598-F348-4941-A26F-C5BFA0FF3B1A}"/>
+              </a:ext>
+            </a:extLst>
+          </p:cNvPr>
+          <p:cNvPicPr>
+            <a:picLocks noChangeAspect="1"/>
+          </p:cNvPicPr>
+          <p:nvPr/>
+        </p:nvPicPr>
+        <p:blipFill>
+          <a:blip r:embed="rId2"/>
+          <a:stretch>
+            <a:fillRect/>
+          </a:stretch>
+        </p:blipFill>
+        <p:spPr>
+          <a:xfrm>
+            <a:off x="539386" y="954105"/>
+            <a:ext cx="3505689" cy="5372850"/>
+          </a:xfrm>
+          <a:prstGeom prst="rect">
+            <a:avLst/>
+          </a:prstGeom>
+        </p:spPr>
+      </p:pic>
     </p:spTree>
     <p:extLst>
       <p:ext uri="{BB962C8B-B14F-4D97-AF65-F5344CB8AC3E}">
@@ -16416,6 +16446,156 @@
           </a:p>
         </p:txBody>
       </p:sp>
+      <p:pic>
+        <p:nvPicPr>
+          <p:cNvPr id="3" name="그림 2">
+            <a:extLst>
+              <a:ext uri="{FF2B5EF4-FFF2-40B4-BE49-F238E27FC236}">
+                <a16:creationId xmlns:a16="http://schemas.microsoft.com/office/drawing/2014/main" id="{8EF09D6C-A0AB-4731-BD27-145C59B14C0A}"/>
+              </a:ext>
+            </a:extLst>
+          </p:cNvPr>
+          <p:cNvPicPr>
+            <a:picLocks noChangeAspect="1"/>
+          </p:cNvPicPr>
+          <p:nvPr/>
+        </p:nvPicPr>
+        <p:blipFill>
+          <a:blip r:embed="rId2"/>
+          <a:stretch>
+            <a:fillRect/>
+          </a:stretch>
+        </p:blipFill>
+        <p:spPr>
+          <a:xfrm>
+            <a:off x="120277" y="954105"/>
+            <a:ext cx="1936928" cy="5584808"/>
+          </a:xfrm>
+          <a:prstGeom prst="rect">
+            <a:avLst/>
+          </a:prstGeom>
+        </p:spPr>
+      </p:pic>
+      <p:pic>
+        <p:nvPicPr>
+          <p:cNvPr id="5" name="그림 4">
+            <a:extLst>
+              <a:ext uri="{FF2B5EF4-FFF2-40B4-BE49-F238E27FC236}">
+                <a16:creationId xmlns:a16="http://schemas.microsoft.com/office/drawing/2014/main" id="{F733BEAE-EC43-4B10-8D72-872D580F66CB}"/>
+              </a:ext>
+            </a:extLst>
+          </p:cNvPr>
+          <p:cNvPicPr>
+            <a:picLocks noChangeAspect="1"/>
+          </p:cNvPicPr>
+          <p:nvPr/>
+        </p:nvPicPr>
+        <p:blipFill>
+          <a:blip r:embed="rId3"/>
+          <a:stretch>
+            <a:fillRect/>
+          </a:stretch>
+        </p:blipFill>
+        <p:spPr>
+          <a:xfrm>
+            <a:off x="2238333" y="949955"/>
+            <a:ext cx="1936928" cy="5588957"/>
+          </a:xfrm>
+          <a:prstGeom prst="rect">
+            <a:avLst/>
+          </a:prstGeom>
+        </p:spPr>
+      </p:pic>
+      <p:pic>
+        <p:nvPicPr>
+          <p:cNvPr id="8" name="그림 7">
+            <a:extLst>
+              <a:ext uri="{FF2B5EF4-FFF2-40B4-BE49-F238E27FC236}">
+                <a16:creationId xmlns:a16="http://schemas.microsoft.com/office/drawing/2014/main" id="{5AC38081-CC6A-48FA-8192-11C9C40F560D}"/>
+              </a:ext>
+            </a:extLst>
+          </p:cNvPr>
+          <p:cNvPicPr>
+            <a:picLocks noChangeAspect="1"/>
+          </p:cNvPicPr>
+          <p:nvPr/>
+        </p:nvPicPr>
+        <p:blipFill>
+          <a:blip r:embed="rId4"/>
+          <a:stretch>
+            <a:fillRect/>
+          </a:stretch>
+        </p:blipFill>
+        <p:spPr>
+          <a:xfrm>
+            <a:off x="4356389" y="949954"/>
+            <a:ext cx="1929265" cy="5588958"/>
+          </a:xfrm>
+          <a:prstGeom prst="rect">
+            <a:avLst/>
+          </a:prstGeom>
+        </p:spPr>
+      </p:pic>
+      <p:pic>
+        <p:nvPicPr>
+          <p:cNvPr id="11" name="그림 10">
+            <a:extLst>
+              <a:ext uri="{FF2B5EF4-FFF2-40B4-BE49-F238E27FC236}">
+                <a16:creationId xmlns:a16="http://schemas.microsoft.com/office/drawing/2014/main" id="{F798F10F-9C5D-4504-AF43-09B41ADBA8A8}"/>
+              </a:ext>
+            </a:extLst>
+          </p:cNvPr>
+          <p:cNvPicPr>
+            <a:picLocks noChangeAspect="1"/>
+          </p:cNvPicPr>
+          <p:nvPr/>
+        </p:nvPicPr>
+        <p:blipFill>
+          <a:blip r:embed="rId5"/>
+          <a:stretch>
+            <a:fillRect/>
+          </a:stretch>
+        </p:blipFill>
+        <p:spPr>
+          <a:xfrm>
+            <a:off x="6474445" y="949954"/>
+            <a:ext cx="1904299" cy="3210859"/>
+          </a:xfrm>
+          <a:prstGeom prst="rect">
+            <a:avLst/>
+          </a:prstGeom>
+        </p:spPr>
+      </p:pic>
+      <p:pic>
+        <p:nvPicPr>
+          <p:cNvPr id="13" name="그림 12">
+            <a:extLst>
+              <a:ext uri="{FF2B5EF4-FFF2-40B4-BE49-F238E27FC236}">
+                <a16:creationId xmlns:a16="http://schemas.microsoft.com/office/drawing/2014/main" id="{B4D15D07-4F83-49C8-B279-B322A681713A}"/>
+              </a:ext>
+            </a:extLst>
+          </p:cNvPr>
+          <p:cNvPicPr>
+            <a:picLocks noChangeAspect="1"/>
+          </p:cNvPicPr>
+          <p:nvPr/>
+        </p:nvPicPr>
+        <p:blipFill>
+          <a:blip r:embed="rId6"/>
+          <a:stretch>
+            <a:fillRect/>
+          </a:stretch>
+        </p:blipFill>
+        <p:spPr>
+          <a:xfrm>
+            <a:off x="8457481" y="949954"/>
+            <a:ext cx="1924215" cy="2495550"/>
+          </a:xfrm>
+          <a:prstGeom prst="rect">
+            <a:avLst/>
+          </a:prstGeom>
+        </p:spPr>
+      </p:pic>
     </p:spTree>
     <p:extLst>
       <p:ext uri="{BB962C8B-B14F-4D97-AF65-F5344CB8AC3E}">
